--- a/files/W4-BufferPool.pptx
+++ b/files/W4-BufferPool.pptx
@@ -5,7 +5,7 @@
     <p:sldMasterId id="2147483660" r:id="rId1"/>
   </p:sldMasterIdLst>
   <p:notesMasterIdLst>
-    <p:notesMasterId r:id="rId23"/>
+    <p:notesMasterId r:id="rId24"/>
   </p:notesMasterIdLst>
   <p:sldIdLst>
     <p:sldId id="290" r:id="rId2"/>
@@ -14,21 +14,22 @@
     <p:sldId id="426" r:id="rId5"/>
     <p:sldId id="427" r:id="rId6"/>
     <p:sldId id="428" r:id="rId7"/>
-    <p:sldId id="429" r:id="rId8"/>
-    <p:sldId id="415" r:id="rId9"/>
-    <p:sldId id="430" r:id="rId10"/>
-    <p:sldId id="432" r:id="rId11"/>
-    <p:sldId id="433" r:id="rId12"/>
-    <p:sldId id="434" r:id="rId13"/>
-    <p:sldId id="435" r:id="rId14"/>
-    <p:sldId id="437" r:id="rId15"/>
-    <p:sldId id="438" r:id="rId16"/>
-    <p:sldId id="439" r:id="rId17"/>
-    <p:sldId id="440" r:id="rId18"/>
-    <p:sldId id="441" r:id="rId19"/>
-    <p:sldId id="443" r:id="rId20"/>
-    <p:sldId id="444" r:id="rId21"/>
-    <p:sldId id="527" r:id="rId22"/>
+    <p:sldId id="528" r:id="rId8"/>
+    <p:sldId id="429" r:id="rId9"/>
+    <p:sldId id="415" r:id="rId10"/>
+    <p:sldId id="430" r:id="rId11"/>
+    <p:sldId id="432" r:id="rId12"/>
+    <p:sldId id="433" r:id="rId13"/>
+    <p:sldId id="434" r:id="rId14"/>
+    <p:sldId id="435" r:id="rId15"/>
+    <p:sldId id="437" r:id="rId16"/>
+    <p:sldId id="438" r:id="rId17"/>
+    <p:sldId id="439" r:id="rId18"/>
+    <p:sldId id="440" r:id="rId19"/>
+    <p:sldId id="441" r:id="rId20"/>
+    <p:sldId id="443" r:id="rId21"/>
+    <p:sldId id="444" r:id="rId22"/>
+    <p:sldId id="527" r:id="rId23"/>
   </p:sldIdLst>
   <p:sldSz cx="10287000" cy="6858000" type="35mm"/>
   <p:notesSz cx="6858000" cy="9144000"/>
@@ -228,7 +229,7 @@
           <a:p>
             <a:fld id="{8C3EA14B-9730-4B14-B276-7835B7D11ED2}" type="datetimeFigureOut">
               <a:rPr lang="zh-CN" altLang="en-US" smtClean="0"/>
-              <a:t>2021/12/6</a:t>
+              <a:t>2022/9/23</a:t>
             </a:fld>
             <a:endParaRPr lang="zh-CN" altLang="en-US"/>
           </a:p>
@@ -671,7 +672,7 @@
             <a:fld id="{F46D554D-59AD-4755-A4C4-0C7C21FB4F32}" type="slidenum">
               <a:rPr lang="en-US" altLang="zh-CN" sz="1200"/>
               <a:pPr eaLnBrk="1" hangingPunct="1"/>
-              <a:t>11</a:t>
+              <a:t>12</a:t>
             </a:fld>
             <a:endParaRPr lang="en-US" altLang="zh-CN" sz="1200"/>
           </a:p>
@@ -913,7 +914,7 @@
             <a:fld id="{C46CB76D-EED9-4D41-BB9A-5576BE059474}" type="slidenum">
               <a:rPr lang="en-US" altLang="zh-CN" sz="1200"/>
               <a:pPr eaLnBrk="1" hangingPunct="1"/>
-              <a:t>15</a:t>
+              <a:t>16</a:t>
             </a:fld>
             <a:endParaRPr lang="en-US" altLang="zh-CN" sz="1200"/>
           </a:p>
@@ -1155,7 +1156,7 @@
             <a:fld id="{65AFBDBA-AF14-4EED-8F3E-3BA487E50F2E}" type="slidenum">
               <a:rPr lang="en-US" altLang="zh-CN" sz="1200"/>
               <a:pPr eaLnBrk="1" hangingPunct="1"/>
-              <a:t>17</a:t>
+              <a:t>18</a:t>
             </a:fld>
             <a:endParaRPr lang="en-US" altLang="zh-CN" sz="1200"/>
           </a:p>
@@ -1397,7 +1398,7 @@
             <a:fld id="{2E2D78F3-DCE7-47AC-8C0C-960BFA93BEDC}" type="slidenum">
               <a:rPr lang="en-US" altLang="zh-CN" sz="1200"/>
               <a:pPr eaLnBrk="1" hangingPunct="1"/>
-              <a:t>18</a:t>
+              <a:t>19</a:t>
             </a:fld>
             <a:endParaRPr lang="en-US" altLang="zh-CN" sz="1200"/>
           </a:p>
@@ -1639,7 +1640,7 @@
             <a:fld id="{3FEC9EE3-1E58-4486-A92A-B5626D4E96A4}" type="slidenum">
               <a:rPr lang="en-US" altLang="zh-CN" sz="1200"/>
               <a:pPr eaLnBrk="1" hangingPunct="1"/>
-              <a:t>19</a:t>
+              <a:t>20</a:t>
             </a:fld>
             <a:endParaRPr lang="en-US" altLang="zh-CN" sz="1200"/>
           </a:p>
@@ -1881,7 +1882,7 @@
             <a:fld id="{3FEC9EE3-1E58-4486-A92A-B5626D4E96A4}" type="slidenum">
               <a:rPr lang="en-US" altLang="zh-CN" sz="1200"/>
               <a:pPr eaLnBrk="1" hangingPunct="1"/>
-              <a:t>20</a:t>
+              <a:t>21</a:t>
             </a:fld>
             <a:endParaRPr lang="en-US" altLang="zh-CN" sz="1200"/>
           </a:p>
@@ -2086,7 +2087,7 @@
                   <a:srgbClr val="000000"/>
                 </a:solidFill>
               </a:rPr>
-              <a:t>December 6, 2021</a:t>
+              <a:t>September 23, 2022</a:t>
             </a:fld>
             <a:endParaRPr lang="zh-CN" altLang="en-US">
               <a:solidFill>
@@ -2293,7 +2294,7 @@
                   <a:srgbClr val="000000"/>
                 </a:solidFill>
               </a:rPr>
-              <a:t>December 6, 2021</a:t>
+              <a:t>September 23, 2022</a:t>
             </a:fld>
             <a:endParaRPr lang="zh-CN" altLang="en-US">
               <a:solidFill>
@@ -2510,7 +2511,7 @@
                   <a:srgbClr val="000000"/>
                 </a:solidFill>
               </a:rPr>
-              <a:t>December 6, 2021</a:t>
+              <a:t>September 23, 2022</a:t>
             </a:fld>
             <a:endParaRPr lang="zh-CN" altLang="en-US">
               <a:solidFill>
@@ -2778,7 +2779,7 @@
                   <a:srgbClr val="000000"/>
                 </a:solidFill>
               </a:rPr>
-              <a:t>December 6, 2021</a:t>
+              <a:t>September 23, 2022</a:t>
             </a:fld>
             <a:endParaRPr lang="zh-CN" altLang="en-US">
               <a:solidFill>
@@ -3046,7 +3047,7 @@
                   <a:srgbClr val="000000"/>
                 </a:solidFill>
               </a:rPr>
-              <a:t>December 6, 2021</a:t>
+              <a:t>September 23, 2022</a:t>
             </a:fld>
             <a:endParaRPr lang="zh-CN" altLang="en-US">
               <a:solidFill>
@@ -3330,7 +3331,7 @@
                   <a:srgbClr val="000000"/>
                 </a:solidFill>
               </a:rPr>
-              <a:t>December 6, 2021</a:t>
+              <a:t>September 23, 2022</a:t>
             </a:fld>
             <a:endParaRPr lang="zh-CN" altLang="en-US">
               <a:solidFill>
@@ -3598,7 +3599,7 @@
                   <a:srgbClr val="000000"/>
                 </a:solidFill>
               </a:rPr>
-              <a:t>December 6, 2021</a:t>
+              <a:t>September 23, 2022</a:t>
             </a:fld>
             <a:endParaRPr lang="zh-CN" altLang="en-US">
               <a:solidFill>
@@ -4001,7 +4002,7 @@
                   <a:srgbClr val="000000"/>
                 </a:solidFill>
               </a:rPr>
-              <a:t>December 6, 2021</a:t>
+              <a:t>September 23, 2022</a:t>
             </a:fld>
             <a:endParaRPr lang="zh-CN" altLang="en-US">
               <a:solidFill>
@@ -4157,7 +4158,7 @@
                   <a:srgbClr val="000000"/>
                 </a:solidFill>
               </a:rPr>
-              <a:t>December 6, 2021</a:t>
+              <a:t>September 23, 2022</a:t>
             </a:fld>
             <a:endParaRPr lang="zh-CN" altLang="en-US">
               <a:solidFill>
@@ -4291,7 +4292,7 @@
                   <a:srgbClr val="000000"/>
                 </a:solidFill>
               </a:rPr>
-              <a:t>December 6, 2021</a:t>
+              <a:t>September 23, 2022</a:t>
             </a:fld>
             <a:endParaRPr lang="zh-CN" altLang="en-US">
               <a:solidFill>
@@ -4605,7 +4606,7 @@
                   <a:srgbClr val="000000"/>
                 </a:solidFill>
               </a:rPr>
-              <a:t>December 6, 2021</a:t>
+              <a:t>September 23, 2022</a:t>
             </a:fld>
             <a:endParaRPr lang="zh-CN" altLang="en-US">
               <a:solidFill>
@@ -4896,7 +4897,7 @@
                   <a:srgbClr val="000000"/>
                 </a:solidFill>
               </a:rPr>
-              <a:t>December 6, 2021</a:t>
+              <a:t>September 23, 2022</a:t>
             </a:fld>
             <a:endParaRPr lang="zh-CN" altLang="en-US">
               <a:solidFill>
@@ -5213,7 +5214,7 @@
                   <a:srgbClr val="000000"/>
                 </a:solidFill>
               </a:rPr>
-              <a:t>December 6, 2021</a:t>
+              <a:t>September 23, 2022</a:t>
             </a:fld>
             <a:endParaRPr lang="zh-CN" altLang="en-US">
               <a:solidFill>
@@ -5807,15 +5808,11 @@
           <a:p>
             <a:r>
               <a:rPr lang="en-US" altLang="zh-CN" dirty="0"/>
-              <a:t>MySQL </a:t>
-            </a:r>
-            <a:r>
-              <a:rPr lang="en-US" altLang="zh-CN" dirty="0" err="1"/>
-              <a:t>InnoDB</a:t>
+              <a:t>B+</a:t>
             </a:r>
             <a:r>
               <a:rPr lang="zh-CN" altLang="en-US" dirty="0"/>
-              <a:t>的存储结构</a:t>
+              <a:t>树存储</a:t>
             </a:r>
           </a:p>
         </p:txBody>
@@ -5910,6 +5907,136 @@
       </p:grpSpPr>
       <p:sp>
         <p:nvSpPr>
+          <p:cNvPr id="2" name="标题 1"/>
+          <p:cNvSpPr>
+            <a:spLocks noGrp="1"/>
+          </p:cNvSpPr>
+          <p:nvPr>
+            <p:ph type="title"/>
+          </p:nvPr>
+        </p:nvSpPr>
+        <p:spPr/>
+        <p:txBody>
+          <a:bodyPr/>
+          <a:lstStyle/>
+          <a:p>
+            <a:r>
+              <a:rPr lang="zh-CN" altLang="en-US" dirty="0"/>
+              <a:t>问题</a:t>
+            </a:r>
+          </a:p>
+        </p:txBody>
+      </p:sp>
+      <p:sp>
+        <p:nvSpPr>
+          <p:cNvPr id="4" name="灯片编号占位符 3"/>
+          <p:cNvSpPr>
+            <a:spLocks noGrp="1"/>
+          </p:cNvSpPr>
+          <p:nvPr>
+            <p:ph type="sldNum" sz="quarter" idx="12"/>
+          </p:nvPr>
+        </p:nvSpPr>
+        <p:spPr/>
+        <p:txBody>
+          <a:bodyPr/>
+          <a:lstStyle/>
+          <a:p>
+            <a:fld id="{6415963F-B422-0E4C-94FB-293280FD86B8}" type="slidenum">
+              <a:rPr lang="zh-CN" altLang="en-US" smtClean="0">
+                <a:solidFill>
+                  <a:srgbClr val="000000"/>
+                </a:solidFill>
+              </a:rPr>
+              <a:pPr/>
+              <a:t>10</a:t>
+            </a:fld>
+            <a:endParaRPr lang="zh-CN" altLang="en-US">
+              <a:solidFill>
+                <a:srgbClr val="000000"/>
+              </a:solidFill>
+            </a:endParaRPr>
+          </a:p>
+        </p:txBody>
+      </p:sp>
+      <p:sp>
+        <p:nvSpPr>
+          <p:cNvPr id="3" name="内容占位符 2"/>
+          <p:cNvSpPr>
+            <a:spLocks noGrp="1"/>
+          </p:cNvSpPr>
+          <p:nvPr>
+            <p:ph idx="1"/>
+          </p:nvPr>
+        </p:nvSpPr>
+        <p:spPr/>
+        <p:txBody>
+          <a:bodyPr/>
+          <a:lstStyle/>
+          <a:p>
+            <a:r>
+              <a:rPr lang="zh-CN" altLang="en-US" dirty="0"/>
+              <a:t>如果所有数据都在磁盘， 数据访问将受限于磁盘</a:t>
+            </a:r>
+            <a:r>
+              <a:rPr lang="en-US" altLang="zh-CN" dirty="0"/>
+              <a:t>IO. </a:t>
+            </a:r>
+          </a:p>
+          <a:p>
+            <a:pPr lvl="1"/>
+            <a:r>
+              <a:rPr lang="zh-CN" altLang="en-US" dirty="0"/>
+              <a:t>解决方法是采用缓冲区</a:t>
+            </a:r>
+            <a:r>
+              <a:rPr lang="en-US" altLang="zh-CN" dirty="0"/>
+              <a:t>(</a:t>
+            </a:r>
+            <a:r>
+              <a:rPr lang="zh-CN" altLang="en-US" dirty="0"/>
+              <a:t>缓存</a:t>
+            </a:r>
+            <a:r>
+              <a:rPr lang="en-US" altLang="zh-CN" dirty="0"/>
+              <a:t>)</a:t>
+            </a:r>
+            <a:endParaRPr lang="zh-CN" altLang="en-US" dirty="0"/>
+          </a:p>
+        </p:txBody>
+      </p:sp>
+    </p:spTree>
+    <p:extLst>
+      <p:ext uri="{BB962C8B-B14F-4D97-AF65-F5344CB8AC3E}">
+        <p14:creationId xmlns:p14="http://schemas.microsoft.com/office/powerpoint/2010/main" val="2086227473"/>
+      </p:ext>
+    </p:extLst>
+  </p:cSld>
+  <p:clrMapOvr>
+    <a:masterClrMapping/>
+  </p:clrMapOvr>
+</p:sld>
+</file>
+
+<file path=ppt/slides/slide11.xml><?xml version="1.0" encoding="utf-8"?>
+<p:sld xmlns:a="http://schemas.openxmlformats.org/drawingml/2006/main" xmlns:r="http://schemas.openxmlformats.org/officeDocument/2006/relationships" xmlns:p="http://schemas.openxmlformats.org/presentationml/2006/main">
+  <p:cSld>
+    <p:spTree>
+      <p:nvGrpSpPr>
+        <p:cNvPr id="1" name=""/>
+        <p:cNvGrpSpPr/>
+        <p:nvPr/>
+      </p:nvGrpSpPr>
+      <p:grpSpPr>
+        <a:xfrm>
+          <a:off x="0" y="0"/>
+          <a:ext cx="0" cy="0"/>
+          <a:chOff x="0" y="0"/>
+          <a:chExt cx="0" cy="0"/>
+        </a:xfrm>
+      </p:grpSpPr>
+      <p:sp>
+        <p:nvSpPr>
           <p:cNvPr id="18433" name="Title 1"/>
           <p:cNvSpPr>
             <a:spLocks noGrp="1"/>
@@ -6108,7 +6235,7 @@
                 </a:solidFill>
               </a:rPr>
               <a:pPr eaLnBrk="1" hangingPunct="1"/>
-              <a:t>10</a:t>
+              <a:t>11</a:t>
             </a:fld>
             <a:endParaRPr lang="en-US" altLang="zh-CN" sz="1200">
               <a:solidFill>
@@ -6645,7 +6772,7 @@
 </p:sld>
 </file>
 
-<file path=ppt/slides/slide11.xml><?xml version="1.0" encoding="utf-8"?>
+<file path=ppt/slides/slide12.xml><?xml version="1.0" encoding="utf-8"?>
 <p:sld xmlns:a="http://schemas.openxmlformats.org/drawingml/2006/main" xmlns:r="http://schemas.openxmlformats.org/officeDocument/2006/relationships" xmlns:p="http://schemas.openxmlformats.org/presentationml/2006/main">
   <p:cSld>
     <p:spTree>
@@ -10636,7 +10763,7 @@
 </p:sld>
 </file>
 
-<file path=ppt/slides/slide12.xml><?xml version="1.0" encoding="utf-8"?>
+<file path=ppt/slides/slide13.xml><?xml version="1.0" encoding="utf-8"?>
 <p:sld xmlns:a="http://schemas.openxmlformats.org/drawingml/2006/main" xmlns:r="http://schemas.openxmlformats.org/officeDocument/2006/relationships" xmlns:p="http://schemas.openxmlformats.org/presentationml/2006/main">
   <p:cSld>
     <p:spTree>
@@ -10810,7 +10937,7 @@
                 </a:solidFill>
               </a:rPr>
               <a:pPr eaLnBrk="1" hangingPunct="1"/>
-              <a:t>12</a:t>
+              <a:t>13</a:t>
             </a:fld>
             <a:endParaRPr lang="en-US" altLang="zh-CN" sz="1200">
               <a:solidFill>
@@ -12407,257 +12534,6 @@
 </p:sld>
 </file>
 
-<file path=ppt/slides/slide13.xml><?xml version="1.0" encoding="utf-8"?>
-<p:sld xmlns:a="http://schemas.openxmlformats.org/drawingml/2006/main" xmlns:r="http://schemas.openxmlformats.org/officeDocument/2006/relationships" xmlns:p="http://schemas.openxmlformats.org/presentationml/2006/main">
-  <p:cSld>
-    <p:spTree>
-      <p:nvGrpSpPr>
-        <p:cNvPr id="1" name=""/>
-        <p:cNvGrpSpPr/>
-        <p:nvPr/>
-      </p:nvGrpSpPr>
-      <p:grpSpPr>
-        <a:xfrm>
-          <a:off x="0" y="0"/>
-          <a:ext cx="0" cy="0"/>
-          <a:chOff x="0" y="0"/>
-          <a:chExt cx="0" cy="0"/>
-        </a:xfrm>
-      </p:grpSpPr>
-      <p:sp>
-        <p:nvSpPr>
-          <p:cNvPr id="22529" name="Title 1"/>
-          <p:cNvSpPr>
-            <a:spLocks noGrp="1"/>
-          </p:cNvSpPr>
-          <p:nvPr>
-            <p:ph type="title"/>
-          </p:nvPr>
-        </p:nvSpPr>
-        <p:spPr/>
-        <p:txBody>
-          <a:bodyPr/>
-          <a:lstStyle/>
-          <a:p>
-            <a:r>
-              <a:rPr lang="zh-CN" altLang="en-US" dirty="0"/>
-              <a:t>如何找到一个空的</a:t>
-            </a:r>
-            <a:r>
-              <a:rPr lang="en-US" altLang="zh-CN" dirty="0"/>
-              <a:t>Frame?</a:t>
-            </a:r>
-          </a:p>
-        </p:txBody>
-      </p:sp>
-      <p:sp>
-        <p:nvSpPr>
-          <p:cNvPr id="22530" name="Content Placeholder 2"/>
-          <p:cNvSpPr>
-            <a:spLocks noGrp="1"/>
-          </p:cNvSpPr>
-          <p:nvPr>
-            <p:ph idx="1"/>
-          </p:nvPr>
-        </p:nvSpPr>
-        <p:spPr>
-          <a:xfrm>
-            <a:off x="751012" y="1772816"/>
-            <a:ext cx="6430966" cy="2819400"/>
-          </a:xfrm>
-        </p:spPr>
-        <p:txBody>
-          <a:bodyPr/>
-          <a:lstStyle/>
-          <a:p>
-            <a:r>
-              <a:rPr lang="zh-CN" altLang="en-US" sz="3600" b="1" dirty="0"/>
-              <a:t>扫描</a:t>
-            </a:r>
-            <a:endParaRPr lang="en-US" altLang="zh-CN" sz="3600" b="1" dirty="0"/>
-          </a:p>
-          <a:p>
-            <a:r>
-              <a:rPr lang="zh-CN" altLang="en-US" sz="3600" b="1" dirty="0"/>
-              <a:t>维护一个空的</a:t>
-            </a:r>
-            <a:r>
-              <a:rPr lang="en-US" altLang="zh-CN" sz="3600" b="1" dirty="0"/>
-              <a:t>Frame</a:t>
-            </a:r>
-            <a:r>
-              <a:rPr lang="zh-CN" altLang="en-US" sz="3600" b="1" dirty="0"/>
-              <a:t>列表</a:t>
-            </a:r>
-            <a:endParaRPr lang="en-US" altLang="zh-CN" sz="3600" b="1" dirty="0"/>
-          </a:p>
-          <a:p>
-            <a:r>
-              <a:rPr lang="zh-CN" altLang="en-US" sz="3600" b="1" dirty="0"/>
-              <a:t>使用一个</a:t>
-            </a:r>
-            <a:r>
-              <a:rPr lang="en-US" altLang="zh-CN" sz="3600" b="1" dirty="0"/>
-              <a:t>Bitmap</a:t>
-            </a:r>
-          </a:p>
-          <a:p>
-            <a:endParaRPr lang="en-US" altLang="zh-CN" sz="2000" b="1" dirty="0"/>
-          </a:p>
-        </p:txBody>
-      </p:sp>
-      <p:sp>
-        <p:nvSpPr>
-          <p:cNvPr id="4" name="Slide Number Placeholder 3"/>
-          <p:cNvSpPr>
-            <a:spLocks noGrp="1"/>
-          </p:cNvSpPr>
-          <p:nvPr>
-            <p:ph type="sldNum" sz="quarter" idx="12"/>
-          </p:nvPr>
-        </p:nvSpPr>
-        <p:spPr/>
-        <p:txBody>
-          <a:bodyPr/>
-          <a:lstStyle>
-            <a:lvl1pPr eaLnBrk="0" hangingPunct="0">
-              <a:defRPr sz="3600">
-                <a:solidFill>
-                  <a:schemeClr val="tx1"/>
-                </a:solidFill>
-                <a:latin typeface="Times New Roman" panose="02020603050405020304" pitchFamily="18" charset="0"/>
-                <a:ea typeface="MS PGothic" panose="020B0600070205080204" pitchFamily="34" charset="-128"/>
-              </a:defRPr>
-            </a:lvl1pPr>
-            <a:lvl2pPr marL="742950" indent="-285750" eaLnBrk="0" hangingPunct="0">
-              <a:defRPr sz="3600">
-                <a:solidFill>
-                  <a:schemeClr val="tx1"/>
-                </a:solidFill>
-                <a:latin typeface="Times New Roman" panose="02020603050405020304" pitchFamily="18" charset="0"/>
-                <a:ea typeface="MS PGothic" panose="020B0600070205080204" pitchFamily="34" charset="-128"/>
-              </a:defRPr>
-            </a:lvl2pPr>
-            <a:lvl3pPr marL="1143000" indent="-228600" eaLnBrk="0" hangingPunct="0">
-              <a:defRPr sz="3600">
-                <a:solidFill>
-                  <a:schemeClr val="tx1"/>
-                </a:solidFill>
-                <a:latin typeface="Times New Roman" panose="02020603050405020304" pitchFamily="18" charset="0"/>
-                <a:ea typeface="MS PGothic" panose="020B0600070205080204" pitchFamily="34" charset="-128"/>
-              </a:defRPr>
-            </a:lvl3pPr>
-            <a:lvl4pPr marL="1600200" indent="-228600" eaLnBrk="0" hangingPunct="0">
-              <a:defRPr sz="3600">
-                <a:solidFill>
-                  <a:schemeClr val="tx1"/>
-                </a:solidFill>
-                <a:latin typeface="Times New Roman" panose="02020603050405020304" pitchFamily="18" charset="0"/>
-                <a:ea typeface="MS PGothic" panose="020B0600070205080204" pitchFamily="34" charset="-128"/>
-              </a:defRPr>
-            </a:lvl4pPr>
-            <a:lvl5pPr marL="2057400" indent="-228600" eaLnBrk="0" hangingPunct="0">
-              <a:defRPr sz="3600">
-                <a:solidFill>
-                  <a:schemeClr val="tx1"/>
-                </a:solidFill>
-                <a:latin typeface="Times New Roman" panose="02020603050405020304" pitchFamily="18" charset="0"/>
-                <a:ea typeface="MS PGothic" panose="020B0600070205080204" pitchFamily="34" charset="-128"/>
-              </a:defRPr>
-            </a:lvl5pPr>
-            <a:lvl6pPr marL="2514600" indent="-228600" algn="ctr" eaLnBrk="0" fontAlgn="base" hangingPunct="0">
-              <a:spcBef>
-                <a:spcPct val="0"/>
-              </a:spcBef>
-              <a:spcAft>
-                <a:spcPct val="0"/>
-              </a:spcAft>
-              <a:defRPr sz="3600">
-                <a:solidFill>
-                  <a:schemeClr val="tx1"/>
-                </a:solidFill>
-                <a:latin typeface="Times New Roman" panose="02020603050405020304" pitchFamily="18" charset="0"/>
-                <a:ea typeface="MS PGothic" panose="020B0600070205080204" pitchFamily="34" charset="-128"/>
-              </a:defRPr>
-            </a:lvl6pPr>
-            <a:lvl7pPr marL="2971800" indent="-228600" algn="ctr" eaLnBrk="0" fontAlgn="base" hangingPunct="0">
-              <a:spcBef>
-                <a:spcPct val="0"/>
-              </a:spcBef>
-              <a:spcAft>
-                <a:spcPct val="0"/>
-              </a:spcAft>
-              <a:defRPr sz="3600">
-                <a:solidFill>
-                  <a:schemeClr val="tx1"/>
-                </a:solidFill>
-                <a:latin typeface="Times New Roman" panose="02020603050405020304" pitchFamily="18" charset="0"/>
-                <a:ea typeface="MS PGothic" panose="020B0600070205080204" pitchFamily="34" charset="-128"/>
-              </a:defRPr>
-            </a:lvl7pPr>
-            <a:lvl8pPr marL="3429000" indent="-228600" algn="ctr" eaLnBrk="0" fontAlgn="base" hangingPunct="0">
-              <a:spcBef>
-                <a:spcPct val="0"/>
-              </a:spcBef>
-              <a:spcAft>
-                <a:spcPct val="0"/>
-              </a:spcAft>
-              <a:defRPr sz="3600">
-                <a:solidFill>
-                  <a:schemeClr val="tx1"/>
-                </a:solidFill>
-                <a:latin typeface="Times New Roman" panose="02020603050405020304" pitchFamily="18" charset="0"/>
-                <a:ea typeface="MS PGothic" panose="020B0600070205080204" pitchFamily="34" charset="-128"/>
-              </a:defRPr>
-            </a:lvl8pPr>
-            <a:lvl9pPr marL="3886200" indent="-228600" algn="ctr" eaLnBrk="0" fontAlgn="base" hangingPunct="0">
-              <a:spcBef>
-                <a:spcPct val="0"/>
-              </a:spcBef>
-              <a:spcAft>
-                <a:spcPct val="0"/>
-              </a:spcAft>
-              <a:defRPr sz="3600">
-                <a:solidFill>
-                  <a:schemeClr val="tx1"/>
-                </a:solidFill>
-                <a:latin typeface="Times New Roman" panose="02020603050405020304" pitchFamily="18" charset="0"/>
-                <a:ea typeface="MS PGothic" panose="020B0600070205080204" pitchFamily="34" charset="-128"/>
-              </a:defRPr>
-            </a:lvl9pPr>
-          </a:lstStyle>
-          <a:p>
-            <a:pPr eaLnBrk="1" hangingPunct="1"/>
-            <a:fld id="{C4E1CD33-A618-4384-999A-C0DB70038EEB}" type="slidenum">
-              <a:rPr lang="en-US" altLang="zh-CN" sz="1200">
-                <a:solidFill>
-                  <a:srgbClr val="898989"/>
-                </a:solidFill>
-              </a:rPr>
-              <a:pPr eaLnBrk="1" hangingPunct="1"/>
-              <a:t>13</a:t>
-            </a:fld>
-            <a:endParaRPr lang="en-US" altLang="zh-CN" sz="1200">
-              <a:solidFill>
-                <a:srgbClr val="898989"/>
-              </a:solidFill>
-            </a:endParaRPr>
-          </a:p>
-        </p:txBody>
-      </p:sp>
-    </p:spTree>
-    <p:extLst>
-      <p:ext uri="{BB962C8B-B14F-4D97-AF65-F5344CB8AC3E}">
-        <p14:creationId xmlns:p14="http://schemas.microsoft.com/office/powerpoint/2010/main" val="2560942623"/>
-      </p:ext>
-    </p:extLst>
-  </p:cSld>
-  <p:clrMapOvr>
-    <a:masterClrMapping/>
-  </p:clrMapOvr>
-</p:sld>
-</file>
-
 <file path=ppt/slides/slide14.xml><?xml version="1.0" encoding="utf-8"?>
 <p:sld xmlns:a="http://schemas.openxmlformats.org/drawingml/2006/main" xmlns:r="http://schemas.openxmlformats.org/officeDocument/2006/relationships" xmlns:p="http://schemas.openxmlformats.org/presentationml/2006/main">
   <p:cSld>
@@ -12677,7 +12553,7 @@
       </p:grpSpPr>
       <p:sp>
         <p:nvSpPr>
-          <p:cNvPr id="24577" name="Title 1"/>
+          <p:cNvPr id="22529" name="Title 1"/>
           <p:cNvSpPr>
             <a:spLocks noGrp="1"/>
           </p:cNvSpPr>
@@ -12692,15 +12568,7 @@
           <a:p>
             <a:r>
               <a:rPr lang="zh-CN" altLang="en-US" dirty="0"/>
-              <a:t>如何找到</a:t>
-            </a:r>
-            <a:r>
-              <a:rPr lang="en-US" altLang="zh-CN" dirty="0"/>
-              <a:t>Page</a:t>
-            </a:r>
-            <a:r>
-              <a:rPr lang="zh-CN" altLang="en-US" dirty="0"/>
-              <a:t>对应的</a:t>
+              <a:t>如何找到一个空的</a:t>
             </a:r>
             <a:r>
               <a:rPr lang="en-US" altLang="zh-CN" dirty="0"/>
@@ -12711,7 +12579,7 @@
       </p:sp>
       <p:sp>
         <p:nvSpPr>
-          <p:cNvPr id="24578" name="Content Placeholder 2"/>
+          <p:cNvPr id="22530" name="Content Placeholder 2"/>
           <p:cNvSpPr>
             <a:spLocks noGrp="1"/>
           </p:cNvSpPr>
@@ -12721,8 +12589,8 @@
         </p:nvSpPr>
         <p:spPr>
           <a:xfrm>
-            <a:off x="679004" y="2060848"/>
-            <a:ext cx="9217024" cy="2819400"/>
+            <a:off x="751012" y="1772816"/>
+            <a:ext cx="6430966" cy="2819400"/>
           </a:xfrm>
         </p:spPr>
         <p:txBody>
@@ -12731,21 +12599,37 @@
           <a:p>
             <a:r>
               <a:rPr lang="zh-CN" altLang="en-US" sz="3600" b="1" dirty="0"/>
-              <a:t>使用哈希表， 将</a:t>
+              <a:t>扫描</a:t>
+            </a:r>
+            <a:endParaRPr lang="en-US" altLang="zh-CN" sz="3600" b="1" dirty="0"/>
+          </a:p>
+          <a:p>
+            <a:r>
+              <a:rPr lang="zh-CN" altLang="en-US" sz="3600" b="1" dirty="0"/>
+              <a:t>维护一个空的</a:t>
             </a:r>
             <a:r>
               <a:rPr lang="en-US" altLang="zh-CN" sz="3600" b="1" dirty="0"/>
-              <a:t>page id</a:t>
+              <a:t>Frame</a:t>
             </a:r>
             <a:r>
               <a:rPr lang="zh-CN" altLang="en-US" sz="3600" b="1" dirty="0"/>
-              <a:t>映射到</a:t>
+              <a:t>列表</a:t>
+            </a:r>
+            <a:endParaRPr lang="en-US" altLang="zh-CN" sz="3600" b="1" dirty="0"/>
+          </a:p>
+          <a:p>
+            <a:r>
+              <a:rPr lang="zh-CN" altLang="en-US" sz="3600" b="1" dirty="0"/>
+              <a:t>使用一个</a:t>
             </a:r>
             <a:r>
               <a:rPr lang="en-US" altLang="zh-CN" sz="3600" b="1" dirty="0"/>
-              <a:t>frame id</a:t>
-            </a:r>
-            <a:endParaRPr lang="en-US" altLang="zh-CN" sz="3200" b="1" dirty="0"/>
+              <a:t>Bitmap</a:t>
+            </a:r>
+          </a:p>
+          <a:p>
+            <a:endParaRPr lang="en-US" altLang="zh-CN" sz="2000" b="1" dirty="0"/>
           </a:p>
         </p:txBody>
       </p:sp>
@@ -12871,7 +12755,7 @@
           </a:lstStyle>
           <a:p>
             <a:pPr eaLnBrk="1" hangingPunct="1"/>
-            <a:fld id="{D4D54B63-2B0C-470A-B420-991DEB8E4510}" type="slidenum">
+            <a:fld id="{C4E1CD33-A618-4384-999A-C0DB70038EEB}" type="slidenum">
               <a:rPr lang="en-US" altLang="zh-CN" sz="1200">
                 <a:solidFill>
                   <a:srgbClr val="898989"/>
@@ -12879,6 +12763,249 @@
               </a:rPr>
               <a:pPr eaLnBrk="1" hangingPunct="1"/>
               <a:t>14</a:t>
+            </a:fld>
+            <a:endParaRPr lang="en-US" altLang="zh-CN" sz="1200">
+              <a:solidFill>
+                <a:srgbClr val="898989"/>
+              </a:solidFill>
+            </a:endParaRPr>
+          </a:p>
+        </p:txBody>
+      </p:sp>
+    </p:spTree>
+    <p:extLst>
+      <p:ext uri="{BB962C8B-B14F-4D97-AF65-F5344CB8AC3E}">
+        <p14:creationId xmlns:p14="http://schemas.microsoft.com/office/powerpoint/2010/main" val="2560942623"/>
+      </p:ext>
+    </p:extLst>
+  </p:cSld>
+  <p:clrMapOvr>
+    <a:masterClrMapping/>
+  </p:clrMapOvr>
+</p:sld>
+</file>
+
+<file path=ppt/slides/slide15.xml><?xml version="1.0" encoding="utf-8"?>
+<p:sld xmlns:a="http://schemas.openxmlformats.org/drawingml/2006/main" xmlns:r="http://schemas.openxmlformats.org/officeDocument/2006/relationships" xmlns:p="http://schemas.openxmlformats.org/presentationml/2006/main">
+  <p:cSld>
+    <p:spTree>
+      <p:nvGrpSpPr>
+        <p:cNvPr id="1" name=""/>
+        <p:cNvGrpSpPr/>
+        <p:nvPr/>
+      </p:nvGrpSpPr>
+      <p:grpSpPr>
+        <a:xfrm>
+          <a:off x="0" y="0"/>
+          <a:ext cx="0" cy="0"/>
+          <a:chOff x="0" y="0"/>
+          <a:chExt cx="0" cy="0"/>
+        </a:xfrm>
+      </p:grpSpPr>
+      <p:sp>
+        <p:nvSpPr>
+          <p:cNvPr id="24577" name="Title 1"/>
+          <p:cNvSpPr>
+            <a:spLocks noGrp="1"/>
+          </p:cNvSpPr>
+          <p:nvPr>
+            <p:ph type="title"/>
+          </p:nvPr>
+        </p:nvSpPr>
+        <p:spPr/>
+        <p:txBody>
+          <a:bodyPr/>
+          <a:lstStyle/>
+          <a:p>
+            <a:r>
+              <a:rPr lang="zh-CN" altLang="en-US" dirty="0"/>
+              <a:t>如何找到</a:t>
+            </a:r>
+            <a:r>
+              <a:rPr lang="en-US" altLang="zh-CN" dirty="0"/>
+              <a:t>Page</a:t>
+            </a:r>
+            <a:r>
+              <a:rPr lang="zh-CN" altLang="en-US" dirty="0"/>
+              <a:t>对应的</a:t>
+            </a:r>
+            <a:r>
+              <a:rPr lang="en-US" altLang="zh-CN" dirty="0"/>
+              <a:t>Frame?</a:t>
+            </a:r>
+          </a:p>
+        </p:txBody>
+      </p:sp>
+      <p:sp>
+        <p:nvSpPr>
+          <p:cNvPr id="24578" name="Content Placeholder 2"/>
+          <p:cNvSpPr>
+            <a:spLocks noGrp="1"/>
+          </p:cNvSpPr>
+          <p:nvPr>
+            <p:ph idx="1"/>
+          </p:nvPr>
+        </p:nvSpPr>
+        <p:spPr>
+          <a:xfrm>
+            <a:off x="679004" y="2060848"/>
+            <a:ext cx="9217024" cy="2819400"/>
+          </a:xfrm>
+        </p:spPr>
+        <p:txBody>
+          <a:bodyPr/>
+          <a:lstStyle/>
+          <a:p>
+            <a:r>
+              <a:rPr lang="zh-CN" altLang="en-US" sz="3600" b="1" dirty="0"/>
+              <a:t>使用哈希表， 将</a:t>
+            </a:r>
+            <a:r>
+              <a:rPr lang="en-US" altLang="zh-CN" sz="3600" b="1" dirty="0"/>
+              <a:t>page id</a:t>
+            </a:r>
+            <a:r>
+              <a:rPr lang="zh-CN" altLang="en-US" sz="3600" b="1" dirty="0"/>
+              <a:t>映射到</a:t>
+            </a:r>
+            <a:r>
+              <a:rPr lang="en-US" altLang="zh-CN" sz="3600" b="1" dirty="0"/>
+              <a:t>frame id</a:t>
+            </a:r>
+            <a:endParaRPr lang="en-US" altLang="zh-CN" sz="3200" b="1" dirty="0"/>
+          </a:p>
+        </p:txBody>
+      </p:sp>
+      <p:sp>
+        <p:nvSpPr>
+          <p:cNvPr id="4" name="Slide Number Placeholder 3"/>
+          <p:cNvSpPr>
+            <a:spLocks noGrp="1"/>
+          </p:cNvSpPr>
+          <p:nvPr>
+            <p:ph type="sldNum" sz="quarter" idx="12"/>
+          </p:nvPr>
+        </p:nvSpPr>
+        <p:spPr/>
+        <p:txBody>
+          <a:bodyPr/>
+          <a:lstStyle>
+            <a:lvl1pPr eaLnBrk="0" hangingPunct="0">
+              <a:defRPr sz="3600">
+                <a:solidFill>
+                  <a:schemeClr val="tx1"/>
+                </a:solidFill>
+                <a:latin typeface="Times New Roman" panose="02020603050405020304" pitchFamily="18" charset="0"/>
+                <a:ea typeface="MS PGothic" panose="020B0600070205080204" pitchFamily="34" charset="-128"/>
+              </a:defRPr>
+            </a:lvl1pPr>
+            <a:lvl2pPr marL="742950" indent="-285750" eaLnBrk="0" hangingPunct="0">
+              <a:defRPr sz="3600">
+                <a:solidFill>
+                  <a:schemeClr val="tx1"/>
+                </a:solidFill>
+                <a:latin typeface="Times New Roman" panose="02020603050405020304" pitchFamily="18" charset="0"/>
+                <a:ea typeface="MS PGothic" panose="020B0600070205080204" pitchFamily="34" charset="-128"/>
+              </a:defRPr>
+            </a:lvl2pPr>
+            <a:lvl3pPr marL="1143000" indent="-228600" eaLnBrk="0" hangingPunct="0">
+              <a:defRPr sz="3600">
+                <a:solidFill>
+                  <a:schemeClr val="tx1"/>
+                </a:solidFill>
+                <a:latin typeface="Times New Roman" panose="02020603050405020304" pitchFamily="18" charset="0"/>
+                <a:ea typeface="MS PGothic" panose="020B0600070205080204" pitchFamily="34" charset="-128"/>
+              </a:defRPr>
+            </a:lvl3pPr>
+            <a:lvl4pPr marL="1600200" indent="-228600" eaLnBrk="0" hangingPunct="0">
+              <a:defRPr sz="3600">
+                <a:solidFill>
+                  <a:schemeClr val="tx1"/>
+                </a:solidFill>
+                <a:latin typeface="Times New Roman" panose="02020603050405020304" pitchFamily="18" charset="0"/>
+                <a:ea typeface="MS PGothic" panose="020B0600070205080204" pitchFamily="34" charset="-128"/>
+              </a:defRPr>
+            </a:lvl4pPr>
+            <a:lvl5pPr marL="2057400" indent="-228600" eaLnBrk="0" hangingPunct="0">
+              <a:defRPr sz="3600">
+                <a:solidFill>
+                  <a:schemeClr val="tx1"/>
+                </a:solidFill>
+                <a:latin typeface="Times New Roman" panose="02020603050405020304" pitchFamily="18" charset="0"/>
+                <a:ea typeface="MS PGothic" panose="020B0600070205080204" pitchFamily="34" charset="-128"/>
+              </a:defRPr>
+            </a:lvl5pPr>
+            <a:lvl6pPr marL="2514600" indent="-228600" algn="ctr" eaLnBrk="0" fontAlgn="base" hangingPunct="0">
+              <a:spcBef>
+                <a:spcPct val="0"/>
+              </a:spcBef>
+              <a:spcAft>
+                <a:spcPct val="0"/>
+              </a:spcAft>
+              <a:defRPr sz="3600">
+                <a:solidFill>
+                  <a:schemeClr val="tx1"/>
+                </a:solidFill>
+                <a:latin typeface="Times New Roman" panose="02020603050405020304" pitchFamily="18" charset="0"/>
+                <a:ea typeface="MS PGothic" panose="020B0600070205080204" pitchFamily="34" charset="-128"/>
+              </a:defRPr>
+            </a:lvl6pPr>
+            <a:lvl7pPr marL="2971800" indent="-228600" algn="ctr" eaLnBrk="0" fontAlgn="base" hangingPunct="0">
+              <a:spcBef>
+                <a:spcPct val="0"/>
+              </a:spcBef>
+              <a:spcAft>
+                <a:spcPct val="0"/>
+              </a:spcAft>
+              <a:defRPr sz="3600">
+                <a:solidFill>
+                  <a:schemeClr val="tx1"/>
+                </a:solidFill>
+                <a:latin typeface="Times New Roman" panose="02020603050405020304" pitchFamily="18" charset="0"/>
+                <a:ea typeface="MS PGothic" panose="020B0600070205080204" pitchFamily="34" charset="-128"/>
+              </a:defRPr>
+            </a:lvl7pPr>
+            <a:lvl8pPr marL="3429000" indent="-228600" algn="ctr" eaLnBrk="0" fontAlgn="base" hangingPunct="0">
+              <a:spcBef>
+                <a:spcPct val="0"/>
+              </a:spcBef>
+              <a:spcAft>
+                <a:spcPct val="0"/>
+              </a:spcAft>
+              <a:defRPr sz="3600">
+                <a:solidFill>
+                  <a:schemeClr val="tx1"/>
+                </a:solidFill>
+                <a:latin typeface="Times New Roman" panose="02020603050405020304" pitchFamily="18" charset="0"/>
+                <a:ea typeface="MS PGothic" panose="020B0600070205080204" pitchFamily="34" charset="-128"/>
+              </a:defRPr>
+            </a:lvl8pPr>
+            <a:lvl9pPr marL="3886200" indent="-228600" algn="ctr" eaLnBrk="0" fontAlgn="base" hangingPunct="0">
+              <a:spcBef>
+                <a:spcPct val="0"/>
+              </a:spcBef>
+              <a:spcAft>
+                <a:spcPct val="0"/>
+              </a:spcAft>
+              <a:defRPr sz="3600">
+                <a:solidFill>
+                  <a:schemeClr val="tx1"/>
+                </a:solidFill>
+                <a:latin typeface="Times New Roman" panose="02020603050405020304" pitchFamily="18" charset="0"/>
+                <a:ea typeface="MS PGothic" panose="020B0600070205080204" pitchFamily="34" charset="-128"/>
+              </a:defRPr>
+            </a:lvl9pPr>
+          </a:lstStyle>
+          <a:p>
+            <a:pPr eaLnBrk="1" hangingPunct="1"/>
+            <a:fld id="{D4D54B63-2B0C-470A-B420-991DEB8E4510}" type="slidenum">
+              <a:rPr lang="en-US" altLang="zh-CN" sz="1200">
+                <a:solidFill>
+                  <a:srgbClr val="898989"/>
+                </a:solidFill>
+              </a:rPr>
+              <a:pPr eaLnBrk="1" hangingPunct="1"/>
+              <a:t>15</a:t>
             </a:fld>
             <a:endParaRPr lang="en-US" altLang="zh-CN" sz="1200">
               <a:solidFill>
@@ -12901,7 +13028,7 @@
 </p:sld>
 </file>
 
-<file path=ppt/slides/slide15.xml><?xml version="1.0" encoding="utf-8"?>
+<file path=ppt/slides/slide16.xml><?xml version="1.0" encoding="utf-8"?>
 <p:sld xmlns:a="http://schemas.openxmlformats.org/drawingml/2006/main" xmlns:r="http://schemas.openxmlformats.org/officeDocument/2006/relationships" xmlns:p="http://schemas.openxmlformats.org/presentationml/2006/main">
   <p:cSld>
     <p:spTree>
@@ -16633,7 +16760,7 @@
 </p:sld>
 </file>
 
-<file path=ppt/slides/slide16.xml><?xml version="1.0" encoding="utf-8"?>
+<file path=ppt/slides/slide17.xml><?xml version="1.0" encoding="utf-8"?>
 <p:sld xmlns:a="http://schemas.openxmlformats.org/drawingml/2006/main" xmlns:r="http://schemas.openxmlformats.org/officeDocument/2006/relationships" xmlns:p="http://schemas.openxmlformats.org/presentationml/2006/main">
   <p:cSld>
     <p:spTree>
@@ -16898,7 +17025,7 @@
                 </a:solidFill>
               </a:rPr>
               <a:pPr eaLnBrk="1" hangingPunct="1"/>
-              <a:t>16</a:t>
+              <a:t>17</a:t>
             </a:fld>
             <a:endParaRPr lang="en-US" altLang="zh-CN" sz="1200">
               <a:solidFill>
@@ -17258,7 +17385,7 @@
 </p:sld>
 </file>
 
-<file path=ppt/slides/slide17.xml><?xml version="1.0" encoding="utf-8"?>
+<file path=ppt/slides/slide18.xml><?xml version="1.0" encoding="utf-8"?>
 <p:sld xmlns:a="http://schemas.openxmlformats.org/drawingml/2006/main" xmlns:r="http://schemas.openxmlformats.org/officeDocument/2006/relationships" xmlns:p="http://schemas.openxmlformats.org/presentationml/2006/main">
   <p:cSld>
     <p:spTree>
@@ -19339,7 +19466,7 @@
 </p:sld>
 </file>
 
-<file path=ppt/slides/slide18.xml><?xml version="1.0" encoding="utf-8"?>
+<file path=ppt/slides/slide19.xml><?xml version="1.0" encoding="utf-8"?>
 <p:sld xmlns:a="http://schemas.openxmlformats.org/drawingml/2006/main" xmlns:r="http://schemas.openxmlformats.org/officeDocument/2006/relationships" xmlns:p="http://schemas.openxmlformats.org/presentationml/2006/main">
   <p:cSld>
     <p:spTree>
@@ -23323,369 +23450,6 @@
 </p:sld>
 </file>
 
-<file path=ppt/slides/slide19.xml><?xml version="1.0" encoding="utf-8"?>
-<p:sld xmlns:a="http://schemas.openxmlformats.org/drawingml/2006/main" xmlns:r="http://schemas.openxmlformats.org/officeDocument/2006/relationships" xmlns:p="http://schemas.openxmlformats.org/presentationml/2006/main">
-  <p:cSld>
-    <p:spTree>
-      <p:nvGrpSpPr>
-        <p:cNvPr id="1" name=""/>
-        <p:cNvGrpSpPr/>
-        <p:nvPr/>
-      </p:nvGrpSpPr>
-      <p:grpSpPr>
-        <a:xfrm>
-          <a:off x="0" y="0"/>
-          <a:ext cx="0" cy="0"/>
-          <a:chOff x="0" y="0"/>
-          <a:chExt cx="0" cy="0"/>
-        </a:xfrm>
-      </p:grpSpPr>
-      <p:sp>
-        <p:nvSpPr>
-          <p:cNvPr id="237570" name="Rectangle 2"/>
-          <p:cNvSpPr>
-            <a:spLocks noChangeArrowheads="1"/>
-          </p:cNvSpPr>
-          <p:nvPr/>
-        </p:nvSpPr>
-        <p:spPr bwMode="auto">
-          <a:xfrm>
-            <a:off x="1257300" y="6248400"/>
-            <a:ext cx="1905000" cy="457200"/>
-          </a:xfrm>
-          <a:prstGeom prst="rect">
-            <a:avLst/>
-          </a:prstGeom>
-          <a:noFill/>
-          <a:ln>
-            <a:noFill/>
-          </a:ln>
-          <a:effectLst/>
-          <a:extLst>
-            <a:ext uri="{909E8E84-426E-40dd-AFC4-6F175D3DCCD1}">
-              <a14:hiddenFill xmlns="" xmlns:a14="http://schemas.microsoft.com/office/drawing/2010/main">
-                <a:solidFill>
-                  <a:schemeClr val="accent1"/>
-                </a:solidFill>
-              </a14:hiddenFill>
-            </a:ext>
-            <a:ext uri="{91240B29-F687-4f45-9708-019B960494DF}">
-              <a14:hiddenLine xmlns="" xmlns:a14="http://schemas.microsoft.com/office/drawing/2010/main" w="9525">
-                <a:solidFill>
-                  <a:schemeClr val="tx1"/>
-                </a:solidFill>
-                <a:miter lim="800000"/>
-                <a:headEnd/>
-                <a:tailEnd/>
-              </a14:hiddenLine>
-            </a:ext>
-            <a:ext uri="{AF507438-7753-43e0-B8FC-AC1667EBCBE1}">
-              <a14:hiddenEffects xmlns="" xmlns:a14="http://schemas.microsoft.com/office/drawing/2010/main">
-                <a:effectLst>
-                  <a:outerShdw blurRad="63500" dist="38099" dir="2700000" algn="ctr" rotWithShape="0">
-                    <a:schemeClr val="bg2">
-                      <a:alpha val="74998"/>
-                    </a:schemeClr>
-                  </a:outerShdw>
-                </a:effectLst>
-              </a14:hiddenEffects>
-            </a:ext>
-          </a:extLst>
-        </p:spPr>
-        <p:txBody>
-          <a:bodyPr wrap="none" anchor="ctr"/>
-          <a:lstStyle/>
-          <a:p>
-            <a:pPr>
-              <a:defRPr/>
-            </a:pPr>
-            <a:endParaRPr lang="en-US">
-              <a:latin typeface="Times New Roman" charset="0"/>
-              <a:ea typeface="ＭＳ Ｐゴシック" charset="0"/>
-              <a:cs typeface="ＭＳ Ｐゴシック" charset="0"/>
-            </a:endParaRPr>
-          </a:p>
-        </p:txBody>
-      </p:sp>
-      <p:sp>
-        <p:nvSpPr>
-          <p:cNvPr id="237571" name="Rectangle 3"/>
-          <p:cNvSpPr>
-            <a:spLocks noChangeArrowheads="1"/>
-          </p:cNvSpPr>
-          <p:nvPr/>
-        </p:nvSpPr>
-        <p:spPr bwMode="auto">
-          <a:xfrm>
-            <a:off x="3695700" y="6248400"/>
-            <a:ext cx="2895600" cy="457200"/>
-          </a:xfrm>
-          <a:prstGeom prst="rect">
-            <a:avLst/>
-          </a:prstGeom>
-          <a:noFill/>
-          <a:ln>
-            <a:noFill/>
-          </a:ln>
-          <a:effectLst/>
-          <a:extLst>
-            <a:ext uri="{909E8E84-426E-40dd-AFC4-6F175D3DCCD1}">
-              <a14:hiddenFill xmlns="" xmlns:a14="http://schemas.microsoft.com/office/drawing/2010/main">
-                <a:solidFill>
-                  <a:schemeClr val="accent1"/>
-                </a:solidFill>
-              </a14:hiddenFill>
-            </a:ext>
-            <a:ext uri="{91240B29-F687-4f45-9708-019B960494DF}">
-              <a14:hiddenLine xmlns="" xmlns:a14="http://schemas.microsoft.com/office/drawing/2010/main" w="9525">
-                <a:solidFill>
-                  <a:schemeClr val="tx1"/>
-                </a:solidFill>
-                <a:miter lim="800000"/>
-                <a:headEnd/>
-                <a:tailEnd/>
-              </a14:hiddenLine>
-            </a:ext>
-            <a:ext uri="{AF507438-7753-43e0-B8FC-AC1667EBCBE1}">
-              <a14:hiddenEffects xmlns="" xmlns:a14="http://schemas.microsoft.com/office/drawing/2010/main">
-                <a:effectLst>
-                  <a:outerShdw blurRad="63500" dist="38099" dir="2700000" algn="ctr" rotWithShape="0">
-                    <a:schemeClr val="bg2">
-                      <a:alpha val="74998"/>
-                    </a:schemeClr>
-                  </a:outerShdw>
-                </a:effectLst>
-              </a14:hiddenEffects>
-            </a:ext>
-          </a:extLst>
-        </p:spPr>
-        <p:txBody>
-          <a:bodyPr wrap="none" anchor="ctr"/>
-          <a:lstStyle/>
-          <a:p>
-            <a:pPr>
-              <a:defRPr/>
-            </a:pPr>
-            <a:endParaRPr lang="en-US">
-              <a:latin typeface="Times New Roman" charset="0"/>
-              <a:ea typeface="ＭＳ Ｐゴシック" charset="0"/>
-              <a:cs typeface="ＭＳ Ｐゴシック" charset="0"/>
-            </a:endParaRPr>
-          </a:p>
-        </p:txBody>
-      </p:sp>
-      <p:sp>
-        <p:nvSpPr>
-          <p:cNvPr id="34819" name="Rectangle 4"/>
-          <p:cNvSpPr>
-            <a:spLocks noGrp="1" noChangeArrowheads="1"/>
-          </p:cNvSpPr>
-          <p:nvPr>
-            <p:ph type="title"/>
-          </p:nvPr>
-        </p:nvSpPr>
-        <p:spPr>
-          <a:noFill/>
-        </p:spPr>
-        <p:txBody>
-          <a:bodyPr vert="horz" wrap="square" lIns="92075" tIns="46038" rIns="92075" bIns="46038" numCol="1" anchor="ctr" anchorCtr="0" compatLnSpc="1">
-            <a:prstTxWarp prst="textNoShape">
-              <a:avLst/>
-            </a:prstTxWarp>
-          </a:bodyPr>
-          <a:lstStyle/>
-          <a:p>
-            <a:r>
-              <a:rPr lang="zh-CN" altLang="en-US" dirty="0"/>
-              <a:t>如果缓冲区已满</a:t>
-            </a:r>
-            <a:endParaRPr lang="en-US" altLang="zh-CN" dirty="0"/>
-          </a:p>
-        </p:txBody>
-      </p:sp>
-      <p:sp>
-        <p:nvSpPr>
-          <p:cNvPr id="34820" name="Rectangle 5"/>
-          <p:cNvSpPr>
-            <a:spLocks noGrp="1" noChangeArrowheads="1"/>
-          </p:cNvSpPr>
-          <p:nvPr>
-            <p:ph type="body" idx="1"/>
-          </p:nvPr>
-        </p:nvSpPr>
-        <p:spPr>
-          <a:xfrm>
-            <a:off x="1333500" y="1524000"/>
-            <a:ext cx="7543800" cy="3886200"/>
-          </a:xfrm>
-          <a:noFill/>
-        </p:spPr>
-        <p:txBody>
-          <a:bodyPr vert="horz" wrap="square" lIns="92075" tIns="46038" rIns="92075" bIns="46038" numCol="1" anchor="t" anchorCtr="0" compatLnSpc="1">
-            <a:prstTxWarp prst="textNoShape">
-              <a:avLst/>
-            </a:prstTxWarp>
-          </a:bodyPr>
-          <a:lstStyle/>
-          <a:p>
-            <a:pPr>
-              <a:lnSpc>
-                <a:spcPct val="90000"/>
-              </a:lnSpc>
-            </a:pPr>
-            <a:r>
-              <a:rPr lang="zh-CN" altLang="en-US" dirty="0"/>
-              <a:t>只有</a:t>
-            </a:r>
-            <a:r>
-              <a:rPr lang="en-US" altLang="zh-CN" dirty="0"/>
-              <a:t>unpinned frame</a:t>
-            </a:r>
-            <a:r>
-              <a:rPr lang="zh-CN" altLang="en-US" dirty="0"/>
-              <a:t>可以从缓冲区移除</a:t>
-            </a:r>
-            <a:endParaRPr lang="en-US" altLang="zh-CN" dirty="0"/>
-          </a:p>
-          <a:p>
-            <a:pPr>
-              <a:lnSpc>
-                <a:spcPct val="90000"/>
-              </a:lnSpc>
-            </a:pPr>
-            <a:r>
-              <a:rPr lang="zh-CN" altLang="en-US" dirty="0"/>
-              <a:t>哪些</a:t>
-            </a:r>
-            <a:r>
-              <a:rPr lang="en-US" altLang="zh-CN" dirty="0"/>
-              <a:t>frame</a:t>
-            </a:r>
-            <a:r>
-              <a:rPr lang="zh-CN" altLang="en-US" dirty="0"/>
-              <a:t>可以移除？</a:t>
-            </a:r>
-            <a:endParaRPr lang="en-US" altLang="zh-CN" dirty="0"/>
-          </a:p>
-          <a:p>
-            <a:pPr lvl="1">
-              <a:lnSpc>
-                <a:spcPct val="90000"/>
-              </a:lnSpc>
-            </a:pPr>
-            <a:r>
-              <a:rPr lang="en-US" altLang="zh-CN" dirty="0"/>
-              <a:t>LRU </a:t>
-            </a:r>
-            <a:r>
-              <a:rPr lang="zh-CN" altLang="en-US" dirty="0"/>
-              <a:t>策略，想一个</a:t>
-            </a:r>
-            <a:r>
-              <a:rPr lang="en-US" altLang="zh-CN" dirty="0"/>
-              <a:t>LRU</a:t>
-            </a:r>
-            <a:r>
-              <a:rPr lang="zh-CN" altLang="en-US" dirty="0"/>
-              <a:t>的弊端？</a:t>
-            </a:r>
-            <a:endParaRPr lang="en-US" altLang="zh-CN" dirty="0"/>
-          </a:p>
-          <a:p>
-            <a:pPr lvl="1">
-              <a:lnSpc>
-                <a:spcPct val="90000"/>
-              </a:lnSpc>
-            </a:pPr>
-            <a:r>
-              <a:rPr lang="zh-CN" altLang="en-US" dirty="0"/>
-              <a:t>当然还可以有其他策略</a:t>
-            </a:r>
-            <a:endParaRPr lang="en-US" altLang="zh-CN" dirty="0"/>
-          </a:p>
-        </p:txBody>
-      </p:sp>
-      <p:sp>
-        <p:nvSpPr>
-          <p:cNvPr id="237574" name="Rectangle 6"/>
-          <p:cNvSpPr>
-            <a:spLocks noChangeArrowheads="1"/>
-          </p:cNvSpPr>
-          <p:nvPr/>
-        </p:nvSpPr>
-        <p:spPr bwMode="auto">
-          <a:xfrm>
-            <a:off x="1470025" y="4586288"/>
-            <a:ext cx="12134850" cy="519112"/>
-          </a:xfrm>
-          <a:prstGeom prst="rect">
-            <a:avLst/>
-          </a:prstGeom>
-          <a:noFill/>
-          <a:ln>
-            <a:noFill/>
-          </a:ln>
-          <a:effectLst/>
-          <a:extLst>
-            <a:ext uri="{909E8E84-426E-40dd-AFC4-6F175D3DCCD1}">
-              <a14:hiddenFill xmlns="" xmlns:a14="http://schemas.microsoft.com/office/drawing/2010/main">
-                <a:solidFill>
-                  <a:schemeClr val="accent1"/>
-                </a:solidFill>
-              </a14:hiddenFill>
-            </a:ext>
-            <a:ext uri="{91240B29-F687-4f45-9708-019B960494DF}">
-              <a14:hiddenLine xmlns="" xmlns:a14="http://schemas.microsoft.com/office/drawing/2010/main" w="9525">
-                <a:solidFill>
-                  <a:schemeClr val="tx1"/>
-                </a:solidFill>
-                <a:miter lim="800000"/>
-                <a:headEnd/>
-                <a:tailEnd/>
-              </a14:hiddenLine>
-            </a:ext>
-            <a:ext uri="{AF507438-7753-43e0-B8FC-AC1667EBCBE1}">
-              <a14:hiddenEffects xmlns="" xmlns:a14="http://schemas.microsoft.com/office/drawing/2010/main">
-                <a:effectLst>
-                  <a:outerShdw blurRad="63500" dist="38099" dir="2700000" algn="ctr" rotWithShape="0">
-                    <a:schemeClr val="bg2">
-                      <a:alpha val="74998"/>
-                    </a:schemeClr>
-                  </a:outerShdw>
-                </a:effectLst>
-              </a14:hiddenEffects>
-            </a:ext>
-          </a:extLst>
-        </p:spPr>
-        <p:txBody>
-          <a:bodyPr wrap="none" anchor="ctr"/>
-          <a:lstStyle/>
-          <a:p>
-            <a:pPr>
-              <a:defRPr/>
-            </a:pPr>
-            <a:endParaRPr lang="en-US">
-              <a:latin typeface="Times New Roman" charset="0"/>
-              <a:ea typeface="ＭＳ Ｐゴシック" charset="0"/>
-              <a:cs typeface="ＭＳ Ｐゴシック" charset="0"/>
-            </a:endParaRPr>
-          </a:p>
-        </p:txBody>
-      </p:sp>
-    </p:spTree>
-    <p:extLst>
-      <p:ext uri="{BB962C8B-B14F-4D97-AF65-F5344CB8AC3E}">
-        <p14:creationId xmlns:p14="http://schemas.microsoft.com/office/powerpoint/2010/main" val="713253356"/>
-      </p:ext>
-    </p:extLst>
-  </p:cSld>
-  <p:clrMapOvr>
-    <a:masterClrMapping/>
-  </p:clrMapOvr>
-  <p:transition/>
-</p:sld>
-</file>
-
 <file path=ppt/slides/slide2.xml><?xml version="1.0" encoding="utf-8"?>
 <p:sld xmlns:a="http://schemas.openxmlformats.org/drawingml/2006/main" xmlns:r="http://schemas.openxmlformats.org/officeDocument/2006/relationships" xmlns:p="http://schemas.openxmlformats.org/presentationml/2006/main">
   <p:cSld>
@@ -23891,6 +23655,369 @@
 </file>
 
 <file path=ppt/slides/slide20.xml><?xml version="1.0" encoding="utf-8"?>
+<p:sld xmlns:a="http://schemas.openxmlformats.org/drawingml/2006/main" xmlns:r="http://schemas.openxmlformats.org/officeDocument/2006/relationships" xmlns:p="http://schemas.openxmlformats.org/presentationml/2006/main">
+  <p:cSld>
+    <p:spTree>
+      <p:nvGrpSpPr>
+        <p:cNvPr id="1" name=""/>
+        <p:cNvGrpSpPr/>
+        <p:nvPr/>
+      </p:nvGrpSpPr>
+      <p:grpSpPr>
+        <a:xfrm>
+          <a:off x="0" y="0"/>
+          <a:ext cx="0" cy="0"/>
+          <a:chOff x="0" y="0"/>
+          <a:chExt cx="0" cy="0"/>
+        </a:xfrm>
+      </p:grpSpPr>
+      <p:sp>
+        <p:nvSpPr>
+          <p:cNvPr id="237570" name="Rectangle 2"/>
+          <p:cNvSpPr>
+            <a:spLocks noChangeArrowheads="1"/>
+          </p:cNvSpPr>
+          <p:nvPr/>
+        </p:nvSpPr>
+        <p:spPr bwMode="auto">
+          <a:xfrm>
+            <a:off x="1257300" y="6248400"/>
+            <a:ext cx="1905000" cy="457200"/>
+          </a:xfrm>
+          <a:prstGeom prst="rect">
+            <a:avLst/>
+          </a:prstGeom>
+          <a:noFill/>
+          <a:ln>
+            <a:noFill/>
+          </a:ln>
+          <a:effectLst/>
+          <a:extLst>
+            <a:ext uri="{909E8E84-426E-40dd-AFC4-6F175D3DCCD1}">
+              <a14:hiddenFill xmlns="" xmlns:a14="http://schemas.microsoft.com/office/drawing/2010/main">
+                <a:solidFill>
+                  <a:schemeClr val="accent1"/>
+                </a:solidFill>
+              </a14:hiddenFill>
+            </a:ext>
+            <a:ext uri="{91240B29-F687-4f45-9708-019B960494DF}">
+              <a14:hiddenLine xmlns="" xmlns:a14="http://schemas.microsoft.com/office/drawing/2010/main" w="9525">
+                <a:solidFill>
+                  <a:schemeClr val="tx1"/>
+                </a:solidFill>
+                <a:miter lim="800000"/>
+                <a:headEnd/>
+                <a:tailEnd/>
+              </a14:hiddenLine>
+            </a:ext>
+            <a:ext uri="{AF507438-7753-43e0-B8FC-AC1667EBCBE1}">
+              <a14:hiddenEffects xmlns="" xmlns:a14="http://schemas.microsoft.com/office/drawing/2010/main">
+                <a:effectLst>
+                  <a:outerShdw blurRad="63500" dist="38099" dir="2700000" algn="ctr" rotWithShape="0">
+                    <a:schemeClr val="bg2">
+                      <a:alpha val="74998"/>
+                    </a:schemeClr>
+                  </a:outerShdw>
+                </a:effectLst>
+              </a14:hiddenEffects>
+            </a:ext>
+          </a:extLst>
+        </p:spPr>
+        <p:txBody>
+          <a:bodyPr wrap="none" anchor="ctr"/>
+          <a:lstStyle/>
+          <a:p>
+            <a:pPr>
+              <a:defRPr/>
+            </a:pPr>
+            <a:endParaRPr lang="en-US">
+              <a:latin typeface="Times New Roman" charset="0"/>
+              <a:ea typeface="ＭＳ Ｐゴシック" charset="0"/>
+              <a:cs typeface="ＭＳ Ｐゴシック" charset="0"/>
+            </a:endParaRPr>
+          </a:p>
+        </p:txBody>
+      </p:sp>
+      <p:sp>
+        <p:nvSpPr>
+          <p:cNvPr id="237571" name="Rectangle 3"/>
+          <p:cNvSpPr>
+            <a:spLocks noChangeArrowheads="1"/>
+          </p:cNvSpPr>
+          <p:nvPr/>
+        </p:nvSpPr>
+        <p:spPr bwMode="auto">
+          <a:xfrm>
+            <a:off x="3695700" y="6248400"/>
+            <a:ext cx="2895600" cy="457200"/>
+          </a:xfrm>
+          <a:prstGeom prst="rect">
+            <a:avLst/>
+          </a:prstGeom>
+          <a:noFill/>
+          <a:ln>
+            <a:noFill/>
+          </a:ln>
+          <a:effectLst/>
+          <a:extLst>
+            <a:ext uri="{909E8E84-426E-40dd-AFC4-6F175D3DCCD1}">
+              <a14:hiddenFill xmlns="" xmlns:a14="http://schemas.microsoft.com/office/drawing/2010/main">
+                <a:solidFill>
+                  <a:schemeClr val="accent1"/>
+                </a:solidFill>
+              </a14:hiddenFill>
+            </a:ext>
+            <a:ext uri="{91240B29-F687-4f45-9708-019B960494DF}">
+              <a14:hiddenLine xmlns="" xmlns:a14="http://schemas.microsoft.com/office/drawing/2010/main" w="9525">
+                <a:solidFill>
+                  <a:schemeClr val="tx1"/>
+                </a:solidFill>
+                <a:miter lim="800000"/>
+                <a:headEnd/>
+                <a:tailEnd/>
+              </a14:hiddenLine>
+            </a:ext>
+            <a:ext uri="{AF507438-7753-43e0-B8FC-AC1667EBCBE1}">
+              <a14:hiddenEffects xmlns="" xmlns:a14="http://schemas.microsoft.com/office/drawing/2010/main">
+                <a:effectLst>
+                  <a:outerShdw blurRad="63500" dist="38099" dir="2700000" algn="ctr" rotWithShape="0">
+                    <a:schemeClr val="bg2">
+                      <a:alpha val="74998"/>
+                    </a:schemeClr>
+                  </a:outerShdw>
+                </a:effectLst>
+              </a14:hiddenEffects>
+            </a:ext>
+          </a:extLst>
+        </p:spPr>
+        <p:txBody>
+          <a:bodyPr wrap="none" anchor="ctr"/>
+          <a:lstStyle/>
+          <a:p>
+            <a:pPr>
+              <a:defRPr/>
+            </a:pPr>
+            <a:endParaRPr lang="en-US">
+              <a:latin typeface="Times New Roman" charset="0"/>
+              <a:ea typeface="ＭＳ Ｐゴシック" charset="0"/>
+              <a:cs typeface="ＭＳ Ｐゴシック" charset="0"/>
+            </a:endParaRPr>
+          </a:p>
+        </p:txBody>
+      </p:sp>
+      <p:sp>
+        <p:nvSpPr>
+          <p:cNvPr id="34819" name="Rectangle 4"/>
+          <p:cNvSpPr>
+            <a:spLocks noGrp="1" noChangeArrowheads="1"/>
+          </p:cNvSpPr>
+          <p:nvPr>
+            <p:ph type="title"/>
+          </p:nvPr>
+        </p:nvSpPr>
+        <p:spPr>
+          <a:noFill/>
+        </p:spPr>
+        <p:txBody>
+          <a:bodyPr vert="horz" wrap="square" lIns="92075" tIns="46038" rIns="92075" bIns="46038" numCol="1" anchor="ctr" anchorCtr="0" compatLnSpc="1">
+            <a:prstTxWarp prst="textNoShape">
+              <a:avLst/>
+            </a:prstTxWarp>
+          </a:bodyPr>
+          <a:lstStyle/>
+          <a:p>
+            <a:r>
+              <a:rPr lang="zh-CN" altLang="en-US" dirty="0"/>
+              <a:t>如果缓冲区已满</a:t>
+            </a:r>
+            <a:endParaRPr lang="en-US" altLang="zh-CN" dirty="0"/>
+          </a:p>
+        </p:txBody>
+      </p:sp>
+      <p:sp>
+        <p:nvSpPr>
+          <p:cNvPr id="34820" name="Rectangle 5"/>
+          <p:cNvSpPr>
+            <a:spLocks noGrp="1" noChangeArrowheads="1"/>
+          </p:cNvSpPr>
+          <p:nvPr>
+            <p:ph type="body" idx="1"/>
+          </p:nvPr>
+        </p:nvSpPr>
+        <p:spPr>
+          <a:xfrm>
+            <a:off x="1333500" y="1524000"/>
+            <a:ext cx="7543800" cy="3886200"/>
+          </a:xfrm>
+          <a:noFill/>
+        </p:spPr>
+        <p:txBody>
+          <a:bodyPr vert="horz" wrap="square" lIns="92075" tIns="46038" rIns="92075" bIns="46038" numCol="1" anchor="t" anchorCtr="0" compatLnSpc="1">
+            <a:prstTxWarp prst="textNoShape">
+              <a:avLst/>
+            </a:prstTxWarp>
+          </a:bodyPr>
+          <a:lstStyle/>
+          <a:p>
+            <a:pPr>
+              <a:lnSpc>
+                <a:spcPct val="90000"/>
+              </a:lnSpc>
+            </a:pPr>
+            <a:r>
+              <a:rPr lang="zh-CN" altLang="en-US" dirty="0"/>
+              <a:t>只有</a:t>
+            </a:r>
+            <a:r>
+              <a:rPr lang="en-US" altLang="zh-CN" dirty="0"/>
+              <a:t>unpinned frame</a:t>
+            </a:r>
+            <a:r>
+              <a:rPr lang="zh-CN" altLang="en-US" dirty="0"/>
+              <a:t>可以从缓冲区移除</a:t>
+            </a:r>
+            <a:endParaRPr lang="en-US" altLang="zh-CN" dirty="0"/>
+          </a:p>
+          <a:p>
+            <a:pPr>
+              <a:lnSpc>
+                <a:spcPct val="90000"/>
+              </a:lnSpc>
+            </a:pPr>
+            <a:r>
+              <a:rPr lang="zh-CN" altLang="en-US" dirty="0"/>
+              <a:t>哪些</a:t>
+            </a:r>
+            <a:r>
+              <a:rPr lang="en-US" altLang="zh-CN" dirty="0"/>
+              <a:t>frame</a:t>
+            </a:r>
+            <a:r>
+              <a:rPr lang="zh-CN" altLang="en-US" dirty="0"/>
+              <a:t>可以移除？</a:t>
+            </a:r>
+            <a:endParaRPr lang="en-US" altLang="zh-CN" dirty="0"/>
+          </a:p>
+          <a:p>
+            <a:pPr lvl="1">
+              <a:lnSpc>
+                <a:spcPct val="90000"/>
+              </a:lnSpc>
+            </a:pPr>
+            <a:r>
+              <a:rPr lang="en-US" altLang="zh-CN" dirty="0"/>
+              <a:t>LRU </a:t>
+            </a:r>
+            <a:r>
+              <a:rPr lang="zh-CN" altLang="en-US" dirty="0"/>
+              <a:t>策略，想一个</a:t>
+            </a:r>
+            <a:r>
+              <a:rPr lang="en-US" altLang="zh-CN" dirty="0"/>
+              <a:t>LRU</a:t>
+            </a:r>
+            <a:r>
+              <a:rPr lang="zh-CN" altLang="en-US" dirty="0"/>
+              <a:t>的弊端？</a:t>
+            </a:r>
+            <a:endParaRPr lang="en-US" altLang="zh-CN" dirty="0"/>
+          </a:p>
+          <a:p>
+            <a:pPr lvl="1">
+              <a:lnSpc>
+                <a:spcPct val="90000"/>
+              </a:lnSpc>
+            </a:pPr>
+            <a:r>
+              <a:rPr lang="zh-CN" altLang="en-US" dirty="0"/>
+              <a:t>当然还可以有其他策略</a:t>
+            </a:r>
+            <a:endParaRPr lang="en-US" altLang="zh-CN" dirty="0"/>
+          </a:p>
+        </p:txBody>
+      </p:sp>
+      <p:sp>
+        <p:nvSpPr>
+          <p:cNvPr id="237574" name="Rectangle 6"/>
+          <p:cNvSpPr>
+            <a:spLocks noChangeArrowheads="1"/>
+          </p:cNvSpPr>
+          <p:nvPr/>
+        </p:nvSpPr>
+        <p:spPr bwMode="auto">
+          <a:xfrm>
+            <a:off x="1470025" y="4586288"/>
+            <a:ext cx="12134850" cy="519112"/>
+          </a:xfrm>
+          <a:prstGeom prst="rect">
+            <a:avLst/>
+          </a:prstGeom>
+          <a:noFill/>
+          <a:ln>
+            <a:noFill/>
+          </a:ln>
+          <a:effectLst/>
+          <a:extLst>
+            <a:ext uri="{909E8E84-426E-40dd-AFC4-6F175D3DCCD1}">
+              <a14:hiddenFill xmlns="" xmlns:a14="http://schemas.microsoft.com/office/drawing/2010/main">
+                <a:solidFill>
+                  <a:schemeClr val="accent1"/>
+                </a:solidFill>
+              </a14:hiddenFill>
+            </a:ext>
+            <a:ext uri="{91240B29-F687-4f45-9708-019B960494DF}">
+              <a14:hiddenLine xmlns="" xmlns:a14="http://schemas.microsoft.com/office/drawing/2010/main" w="9525">
+                <a:solidFill>
+                  <a:schemeClr val="tx1"/>
+                </a:solidFill>
+                <a:miter lim="800000"/>
+                <a:headEnd/>
+                <a:tailEnd/>
+              </a14:hiddenLine>
+            </a:ext>
+            <a:ext uri="{AF507438-7753-43e0-B8FC-AC1667EBCBE1}">
+              <a14:hiddenEffects xmlns="" xmlns:a14="http://schemas.microsoft.com/office/drawing/2010/main">
+                <a:effectLst>
+                  <a:outerShdw blurRad="63500" dist="38099" dir="2700000" algn="ctr" rotWithShape="0">
+                    <a:schemeClr val="bg2">
+                      <a:alpha val="74998"/>
+                    </a:schemeClr>
+                  </a:outerShdw>
+                </a:effectLst>
+              </a14:hiddenEffects>
+            </a:ext>
+          </a:extLst>
+        </p:spPr>
+        <p:txBody>
+          <a:bodyPr wrap="none" anchor="ctr"/>
+          <a:lstStyle/>
+          <a:p>
+            <a:pPr>
+              <a:defRPr/>
+            </a:pPr>
+            <a:endParaRPr lang="en-US">
+              <a:latin typeface="Times New Roman" charset="0"/>
+              <a:ea typeface="ＭＳ Ｐゴシック" charset="0"/>
+              <a:cs typeface="ＭＳ Ｐゴシック" charset="0"/>
+            </a:endParaRPr>
+          </a:p>
+        </p:txBody>
+      </p:sp>
+    </p:spTree>
+    <p:extLst>
+      <p:ext uri="{BB962C8B-B14F-4D97-AF65-F5344CB8AC3E}">
+        <p14:creationId xmlns:p14="http://schemas.microsoft.com/office/powerpoint/2010/main" val="713253356"/>
+      </p:ext>
+    </p:extLst>
+  </p:cSld>
+  <p:clrMapOvr>
+    <a:masterClrMapping/>
+  </p:clrMapOvr>
+  <p:transition/>
+</p:sld>
+</file>
+
+<file path=ppt/slides/slide21.xml><?xml version="1.0" encoding="utf-8"?>
 <p:sld xmlns:a="http://schemas.openxmlformats.org/drawingml/2006/main" xmlns:r="http://schemas.openxmlformats.org/officeDocument/2006/relationships" xmlns:p="http://schemas.openxmlformats.org/presentationml/2006/main">
   <p:cSld>
     <p:spTree>
@@ -26372,7 +26499,7 @@
 </p:sld>
 </file>
 
-<file path=ppt/slides/slide21.xml><?xml version="1.0" encoding="utf-8"?>
+<file path=ppt/slides/slide22.xml><?xml version="1.0" encoding="utf-8"?>
 <p:sld xmlns:a="http://schemas.openxmlformats.org/drawingml/2006/main" xmlns:r="http://schemas.openxmlformats.org/officeDocument/2006/relationships" xmlns:p="http://schemas.openxmlformats.org/presentationml/2006/main">
   <p:cSld>
     <p:spTree>
@@ -28269,7 +28396,13 @@
       </p:grpSpPr>
       <p:sp>
         <p:nvSpPr>
-          <p:cNvPr id="2" name="标题 1"/>
+          <p:cNvPr id="2" name="Title 1">
+            <a:extLst>
+              <a:ext uri="{FF2B5EF4-FFF2-40B4-BE49-F238E27FC236}">
+                <a16:creationId xmlns:a16="http://schemas.microsoft.com/office/drawing/2014/main" id="{A3DA58AA-6E5B-F8F9-4028-17209C410B92}"/>
+              </a:ext>
+            </a:extLst>
+          </p:cNvPr>
           <p:cNvSpPr>
             <a:spLocks noGrp="1"/>
           </p:cNvSpPr>
@@ -28283,25 +28416,88 @@
           <a:lstStyle/>
           <a:p>
             <a:r>
-              <a:rPr lang="en-US" altLang="zh-CN" dirty="0"/>
-              <a:t>B+</a:t>
-            </a:r>
-            <a:r>
-              <a:rPr lang="zh-CN" altLang="en-US" dirty="0"/>
-              <a:t>树结构示例</a:t>
-            </a:r>
-          </a:p>
-        </p:txBody>
-      </p:sp>
-      <p:pic>
-        <p:nvPicPr>
-          <p:cNvPr id="5" name="内容占位符 4"/>
-          <p:cNvPicPr>
-            <a:picLocks noGrp="1" noChangeAspect="1"/>
-          </p:cNvPicPr>
+              <a:rPr lang="en-CN" dirty="0"/>
+              <a:t>页结构</a:t>
+            </a:r>
+          </a:p>
+        </p:txBody>
+      </p:sp>
+      <p:sp>
+        <p:nvSpPr>
+          <p:cNvPr id="4" name="Slide Number Placeholder 3">
+            <a:extLst>
+              <a:ext uri="{FF2B5EF4-FFF2-40B4-BE49-F238E27FC236}">
+                <a16:creationId xmlns:a16="http://schemas.microsoft.com/office/drawing/2014/main" id="{0821BAFB-895A-6463-7FCD-7871B6B04A98}"/>
+              </a:ext>
+            </a:extLst>
+          </p:cNvPr>
+          <p:cNvSpPr>
+            <a:spLocks noGrp="1"/>
+          </p:cNvSpPr>
+          <p:nvPr>
+            <p:ph type="sldNum" sz="quarter" idx="12"/>
+          </p:nvPr>
+        </p:nvSpPr>
+        <p:spPr/>
+        <p:txBody>
+          <a:bodyPr/>
+          <a:lstStyle/>
+          <a:p>
+            <a:fld id="{6415963F-B422-0E4C-94FB-293280FD86B8}" type="slidenum">
+              <a:rPr lang="zh-CN" altLang="en-US" smtClean="0">
+                <a:solidFill>
+                  <a:srgbClr val="000000"/>
+                </a:solidFill>
+              </a:rPr>
+              <a:pPr/>
+              <a:t>7</a:t>
+            </a:fld>
+            <a:endParaRPr lang="zh-CN" altLang="en-US">
+              <a:solidFill>
+                <a:srgbClr val="000000"/>
+              </a:solidFill>
+            </a:endParaRPr>
+          </a:p>
+        </p:txBody>
+      </p:sp>
+      <p:sp>
+        <p:nvSpPr>
+          <p:cNvPr id="6" name="Content Placeholder 5">
+            <a:extLst>
+              <a:ext uri="{FF2B5EF4-FFF2-40B4-BE49-F238E27FC236}">
+                <a16:creationId xmlns:a16="http://schemas.microsoft.com/office/drawing/2014/main" id="{1928BDA2-A0CF-B1EC-DC98-7372004996A0}"/>
+              </a:ext>
+            </a:extLst>
+          </p:cNvPr>
+          <p:cNvSpPr>
+            <a:spLocks noGrp="1"/>
+          </p:cNvSpPr>
           <p:nvPr>
             <p:ph idx="1"/>
           </p:nvPr>
+        </p:nvSpPr>
+        <p:spPr/>
+        <p:txBody>
+          <a:bodyPr/>
+          <a:lstStyle/>
+          <a:p>
+            <a:endParaRPr lang="en-CN"/>
+          </a:p>
+        </p:txBody>
+      </p:sp>
+      <p:pic>
+        <p:nvPicPr>
+          <p:cNvPr id="7" name="Picture 6">
+            <a:extLst>
+              <a:ext uri="{FF2B5EF4-FFF2-40B4-BE49-F238E27FC236}">
+                <a16:creationId xmlns:a16="http://schemas.microsoft.com/office/drawing/2014/main" id="{153024B2-980D-98E6-8C2E-3806F2BDCD52}"/>
+              </a:ext>
+            </a:extLst>
+          </p:cNvPr>
+          <p:cNvPicPr>
+            <a:picLocks noChangeAspect="1"/>
+          </p:cNvPicPr>
+          <p:nvPr/>
         </p:nvPicPr>
         <p:blipFill>
           <a:blip r:embed="rId2"/>
@@ -28311,99 +28507,18 @@
         </p:blipFill>
         <p:spPr>
           <a:xfrm>
-            <a:off x="2790825" y="1842742"/>
-            <a:ext cx="6981825" cy="4171950"/>
+            <a:off x="800100" y="2041162"/>
+            <a:ext cx="8087816" cy="3728178"/>
           </a:xfrm>
           <a:prstGeom prst="rect">
             <a:avLst/>
           </a:prstGeom>
         </p:spPr>
       </p:pic>
-      <p:sp>
-        <p:nvSpPr>
-          <p:cNvPr id="4" name="灯片编号占位符 3"/>
-          <p:cNvSpPr>
-            <a:spLocks noGrp="1"/>
-          </p:cNvSpPr>
-          <p:nvPr>
-            <p:ph type="sldNum" sz="quarter" idx="12"/>
-          </p:nvPr>
-        </p:nvSpPr>
-        <p:spPr/>
-        <p:txBody>
-          <a:bodyPr/>
-          <a:lstStyle/>
-          <a:p>
-            <a:fld id="{6415963F-B422-0E4C-94FB-293280FD86B8}" type="slidenum">
-              <a:rPr lang="zh-CN" altLang="en-US" smtClean="0">
-                <a:solidFill>
-                  <a:srgbClr val="000000"/>
-                </a:solidFill>
-              </a:rPr>
-              <a:pPr/>
-              <a:t>7</a:t>
-            </a:fld>
-            <a:endParaRPr lang="zh-CN" altLang="en-US">
-              <a:solidFill>
-                <a:srgbClr val="000000"/>
-              </a:solidFill>
-            </a:endParaRPr>
-          </a:p>
-        </p:txBody>
-      </p:sp>
-      <p:sp>
-        <p:nvSpPr>
-          <p:cNvPr id="6" name="文本框 5"/>
-          <p:cNvSpPr txBox="1"/>
-          <p:nvPr/>
-        </p:nvSpPr>
-        <p:spPr>
-          <a:xfrm>
-            <a:off x="102940" y="2132856"/>
-            <a:ext cx="3116982" cy="1061829"/>
-          </a:xfrm>
-          <a:prstGeom prst="rect">
-            <a:avLst/>
-          </a:prstGeom>
-          <a:noFill/>
-        </p:spPr>
-        <p:txBody>
-          <a:bodyPr wrap="square" rtlCol="0">
-            <a:spAutoFit/>
-          </a:bodyPr>
-          <a:lstStyle/>
-          <a:p>
-            <a:pPr marL="342900" indent="-342900">
-              <a:buFont typeface="Arial" panose="020B0604020202020204" pitchFamily="34" charset="0"/>
-              <a:buChar char="•"/>
-            </a:pPr>
-            <a:r>
-              <a:rPr lang="zh-CN" altLang="en-US" dirty="0"/>
-              <a:t>为何非叶子节点也有关联：</a:t>
-            </a:r>
-            <a:endParaRPr lang="en-US" altLang="zh-CN" dirty="0"/>
-          </a:p>
-          <a:p>
-            <a:pPr marL="870417" lvl="1" indent="-342900">
-              <a:buFont typeface="Arial" panose="020B0604020202020204" pitchFamily="34" charset="0"/>
-              <a:buChar char="•"/>
-            </a:pPr>
-            <a:r>
-              <a:rPr lang="zh-CN" altLang="en-US" dirty="0"/>
-              <a:t>更像</a:t>
-            </a:r>
-            <a:r>
-              <a:rPr lang="en-US" altLang="zh-CN" dirty="0"/>
-              <a:t>B-link tree</a:t>
-            </a:r>
-            <a:endParaRPr lang="zh-CN" altLang="en-US" dirty="0"/>
-          </a:p>
-        </p:txBody>
-      </p:sp>
     </p:spTree>
     <p:extLst>
       <p:ext uri="{BB962C8B-B14F-4D97-AF65-F5344CB8AC3E}">
-        <p14:creationId xmlns:p14="http://schemas.microsoft.com/office/powerpoint/2010/main" val="1472216861"/>
+        <p14:creationId xmlns:p14="http://schemas.microsoft.com/office/powerpoint/2010/main" val="840560312"/>
       </p:ext>
     </p:extLst>
   </p:cSld>
@@ -28440,51 +28555,48 @@
             <p:ph type="title"/>
           </p:nvPr>
         </p:nvSpPr>
+        <p:spPr/>
+        <p:txBody>
+          <a:bodyPr/>
+          <a:lstStyle/>
+          <a:p>
+            <a:r>
+              <a:rPr lang="en-US" altLang="zh-CN" dirty="0"/>
+              <a:t>B+</a:t>
+            </a:r>
+            <a:r>
+              <a:rPr lang="zh-CN" altLang="en-US" dirty="0"/>
+              <a:t>树结构示例</a:t>
+            </a:r>
+          </a:p>
+        </p:txBody>
+      </p:sp>
+      <p:pic>
+        <p:nvPicPr>
+          <p:cNvPr id="5" name="内容占位符 4"/>
+          <p:cNvPicPr>
+            <a:picLocks noGrp="1" noChangeAspect="1"/>
+          </p:cNvPicPr>
+          <p:nvPr>
+            <p:ph idx="1"/>
+          </p:nvPr>
+        </p:nvPicPr>
+        <p:blipFill>
+          <a:blip r:embed="rId2"/>
+          <a:stretch>
+            <a:fillRect/>
+          </a:stretch>
+        </p:blipFill>
         <p:spPr>
           <a:xfrm>
-            <a:off x="102940" y="1709743"/>
-            <a:ext cx="9865095" cy="2852737"/>
+            <a:off x="2790825" y="1842742"/>
+            <a:ext cx="6981825" cy="4171950"/>
           </a:xfrm>
-        </p:spPr>
-        <p:txBody>
-          <a:bodyPr/>
-          <a:lstStyle/>
-          <a:p>
-            <a:r>
-              <a:rPr lang="zh-CN" altLang="en-US" dirty="0"/>
-              <a:t>缓冲区</a:t>
-            </a:r>
-            <a:r>
-              <a:rPr lang="en-US" altLang="zh-CN" dirty="0"/>
-              <a:t>Buffer Manager</a:t>
-            </a:r>
-            <a:endParaRPr lang="zh-CN" altLang="en-US" dirty="0"/>
-          </a:p>
-        </p:txBody>
-      </p:sp>
-      <p:sp>
-        <p:nvSpPr>
-          <p:cNvPr id="3" name="文本占位符 2"/>
-          <p:cNvSpPr>
-            <a:spLocks noGrp="1"/>
-          </p:cNvSpPr>
-          <p:nvPr>
-            <p:ph type="body" idx="1"/>
-          </p:nvPr>
-        </p:nvSpPr>
-        <p:spPr/>
-        <p:txBody>
-          <a:bodyPr/>
-          <a:lstStyle/>
-          <a:p>
-            <a:r>
-              <a:rPr lang="en-US" altLang="zh-CN" dirty="0"/>
-              <a:t>			</a:t>
-            </a:r>
-            <a:endParaRPr lang="zh-CN" altLang="en-US" dirty="0"/>
-          </a:p>
-        </p:txBody>
-      </p:sp>
+          <a:prstGeom prst="rect">
+            <a:avLst/>
+          </a:prstGeom>
+        </p:spPr>
+      </p:pic>
       <p:sp>
         <p:nvSpPr>
           <p:cNvPr id="4" name="灯片编号占位符 3"/>
@@ -28500,7 +28612,7 @@
           <a:bodyPr/>
           <a:lstStyle/>
           <a:p>
-            <a:fld id="{5429D598-62B2-7B43-91E6-43A1B9A008AE}" type="slidenum">
+            <a:fld id="{6415963F-B422-0E4C-94FB-293280FD86B8}" type="slidenum">
               <a:rPr lang="zh-CN" altLang="en-US" smtClean="0">
                 <a:solidFill>
                   <a:srgbClr val="000000"/>
@@ -28517,10 +28629,59 @@
           </a:p>
         </p:txBody>
       </p:sp>
+      <p:sp>
+        <p:nvSpPr>
+          <p:cNvPr id="6" name="文本框 5"/>
+          <p:cNvSpPr txBox="1"/>
+          <p:nvPr/>
+        </p:nvSpPr>
+        <p:spPr>
+          <a:xfrm>
+            <a:off x="102940" y="2132856"/>
+            <a:ext cx="3116982" cy="1061829"/>
+          </a:xfrm>
+          <a:prstGeom prst="rect">
+            <a:avLst/>
+          </a:prstGeom>
+          <a:noFill/>
+        </p:spPr>
+        <p:txBody>
+          <a:bodyPr wrap="square" rtlCol="0">
+            <a:spAutoFit/>
+          </a:bodyPr>
+          <a:lstStyle/>
+          <a:p>
+            <a:pPr marL="342900" indent="-342900">
+              <a:buFont typeface="Arial" panose="020B0604020202020204" pitchFamily="34" charset="0"/>
+              <a:buChar char="•"/>
+            </a:pPr>
+            <a:r>
+              <a:rPr lang="zh-CN" altLang="en-US" dirty="0"/>
+              <a:t>为何非叶子节点也有关联：</a:t>
+            </a:r>
+            <a:endParaRPr lang="en-US" altLang="zh-CN" dirty="0"/>
+          </a:p>
+          <a:p>
+            <a:pPr marL="870417" lvl="1" indent="-342900">
+              <a:buFont typeface="Arial" panose="020B0604020202020204" pitchFamily="34" charset="0"/>
+              <a:buChar char="•"/>
+            </a:pPr>
+            <a:r>
+              <a:rPr lang="zh-CN" altLang="en-US" dirty="0"/>
+              <a:t>更像</a:t>
+            </a:r>
+            <a:r>
+              <a:rPr lang="en-US" altLang="zh-CN" dirty="0"/>
+              <a:t>B-link tree</a:t>
+            </a:r>
+            <a:endParaRPr lang="zh-CN" altLang="en-US" dirty="0"/>
+          </a:p>
+        </p:txBody>
+      </p:sp>
     </p:spTree>
     <p:extLst>
       <p:ext uri="{BB962C8B-B14F-4D97-AF65-F5344CB8AC3E}">
-        <p14:creationId xmlns:p14="http://schemas.microsoft.com/office/powerpoint/2010/main" val="3017396740"/>
+        <p14:creationId xmlns:p14="http://schemas.microsoft.com/office/powerpoint/2010/main" val="1472216861"/>
       </p:ext>
     </p:extLst>
   </p:cSld>
@@ -28557,15 +28718,48 @@
             <p:ph type="title"/>
           </p:nvPr>
         </p:nvSpPr>
-        <p:spPr/>
+        <p:spPr>
+          <a:xfrm>
+            <a:off x="102940" y="1709743"/>
+            <a:ext cx="9865095" cy="2852737"/>
+          </a:xfrm>
+        </p:spPr>
         <p:txBody>
           <a:bodyPr/>
           <a:lstStyle/>
           <a:p>
             <a:r>
               <a:rPr lang="zh-CN" altLang="en-US" dirty="0"/>
-              <a:t>问题</a:t>
-            </a:r>
+              <a:t>缓冲区</a:t>
+            </a:r>
+            <a:r>
+              <a:rPr lang="en-US" altLang="zh-CN" dirty="0"/>
+              <a:t>Buffer Manager</a:t>
+            </a:r>
+            <a:endParaRPr lang="zh-CN" altLang="en-US" dirty="0"/>
+          </a:p>
+        </p:txBody>
+      </p:sp>
+      <p:sp>
+        <p:nvSpPr>
+          <p:cNvPr id="3" name="文本占位符 2"/>
+          <p:cNvSpPr>
+            <a:spLocks noGrp="1"/>
+          </p:cNvSpPr>
+          <p:nvPr>
+            <p:ph type="body" idx="1"/>
+          </p:nvPr>
+        </p:nvSpPr>
+        <p:spPr/>
+        <p:txBody>
+          <a:bodyPr/>
+          <a:lstStyle/>
+          <a:p>
+            <a:r>
+              <a:rPr lang="en-US" altLang="zh-CN" dirty="0"/>
+              <a:t>			</a:t>
+            </a:r>
+            <a:endParaRPr lang="zh-CN" altLang="en-US" dirty="0"/>
           </a:p>
         </p:txBody>
       </p:sp>
@@ -28584,7 +28778,7 @@
           <a:bodyPr/>
           <a:lstStyle/>
           <a:p>
-            <a:fld id="{6415963F-B422-0E4C-94FB-293280FD86B8}" type="slidenum">
+            <a:fld id="{5429D598-62B2-7B43-91E6-43A1B9A008AE}" type="slidenum">
               <a:rPr lang="zh-CN" altLang="en-US" smtClean="0">
                 <a:solidFill>
                   <a:srgbClr val="000000"/>
@@ -28601,56 +28795,10 @@
           </a:p>
         </p:txBody>
       </p:sp>
-      <p:sp>
-        <p:nvSpPr>
-          <p:cNvPr id="3" name="内容占位符 2"/>
-          <p:cNvSpPr>
-            <a:spLocks noGrp="1"/>
-          </p:cNvSpPr>
-          <p:nvPr>
-            <p:ph idx="1"/>
-          </p:nvPr>
-        </p:nvSpPr>
-        <p:spPr/>
-        <p:txBody>
-          <a:bodyPr/>
-          <a:lstStyle/>
-          <a:p>
-            <a:r>
-              <a:rPr lang="zh-CN" altLang="en-US" dirty="0"/>
-              <a:t>如果所有数据都在磁盘， 数据访问将受限于磁盘</a:t>
-            </a:r>
-            <a:r>
-              <a:rPr lang="en-US" altLang="zh-CN" dirty="0"/>
-              <a:t>IO. </a:t>
-            </a:r>
-          </a:p>
-          <a:p>
-            <a:pPr lvl="1"/>
-            <a:r>
-              <a:rPr lang="zh-CN" altLang="en-US" dirty="0"/>
-              <a:t>解决方法是采用缓冲区</a:t>
-            </a:r>
-            <a:r>
-              <a:rPr lang="en-US" altLang="zh-CN" dirty="0"/>
-              <a:t>(</a:t>
-            </a:r>
-            <a:r>
-              <a:rPr lang="zh-CN" altLang="en-US" dirty="0"/>
-              <a:t>缓存</a:t>
-            </a:r>
-            <a:r>
-              <a:rPr lang="en-US" altLang="zh-CN" dirty="0"/>
-              <a:t>)</a:t>
-            </a:r>
-            <a:endParaRPr lang="zh-CN" altLang="en-US" dirty="0"/>
-          </a:p>
-        </p:txBody>
-      </p:sp>
     </p:spTree>
     <p:extLst>
       <p:ext uri="{BB962C8B-B14F-4D97-AF65-F5344CB8AC3E}">
-        <p14:creationId xmlns:p14="http://schemas.microsoft.com/office/powerpoint/2010/main" val="2086227473"/>
+        <p14:creationId xmlns:p14="http://schemas.microsoft.com/office/powerpoint/2010/main" val="3017396740"/>
       </p:ext>
     </p:extLst>
   </p:cSld>
